--- a/UML.pptx
+++ b/UML.pptx
@@ -107,6 +107,11 @@
       </a:defRPr>
     </a:lvl9pPr>
   </p:defaultTextStyle>
+  <p:extLst>
+    <p:ext uri="{EFAFB233-063F-42B5-8137-9DF3F51BA10A}">
+      <p15:sldGuideLst xmlns:p15="http://schemas.microsoft.com/office/powerpoint/2012/main"/>
+    </p:ext>
+  </p:extLst>
 </p:presentation>
 </file>
 
@@ -3771,7 +3776,7 @@
         </p:nvSpPr>
         <p:spPr>
           <a:xfrm>
-            <a:off x="5853723" y="1201405"/>
+            <a:off x="5862867" y="1204355"/>
             <a:ext cx="651140" cy="369332"/>
           </a:xfrm>
           <a:prstGeom prst="rect">
@@ -3808,7 +3813,7 @@
         <p:spPr>
           <a:xfrm>
             <a:off x="5188037" y="1501938"/>
-            <a:ext cx="1362874" cy="830997"/>
+            <a:ext cx="1162947" cy="830997"/>
           </a:xfrm>
           <a:prstGeom prst="rect">
             <a:avLst/>
@@ -3845,11 +3850,11 @@
             </a:r>
             <a:r>
               <a:rPr kumimoji="1" lang="en-US" altLang="ko-KR" sz="1200" dirty="0" err="1"/>
-              <a:t>usertype</a:t>
+              <a:t>userType</a:t>
             </a:r>
             <a:r>
               <a:rPr kumimoji="1" lang="en-US" altLang="ko-KR" sz="1200" dirty="0"/>
-              <a:t>: string</a:t>
+              <a:t>: int</a:t>
             </a:r>
           </a:p>
         </p:txBody>
@@ -4351,7 +4356,7 @@
         <p:spPr>
           <a:xfrm>
             <a:off x="5228264" y="3950448"/>
-            <a:ext cx="1362874" cy="830997"/>
+            <a:ext cx="1162947" cy="830997"/>
           </a:xfrm>
           <a:prstGeom prst="rect">
             <a:avLst/>
@@ -4388,11 +4393,11 @@
             </a:r>
             <a:r>
               <a:rPr kumimoji="1" lang="en-US" altLang="ko-KR" sz="1200" dirty="0" err="1"/>
-              <a:t>usertype</a:t>
+              <a:t>userType</a:t>
             </a:r>
             <a:r>
               <a:rPr kumimoji="1" lang="en-US" altLang="ko-KR" sz="1200" dirty="0"/>
-              <a:t>: string</a:t>
+              <a:t>: int</a:t>
             </a:r>
           </a:p>
         </p:txBody>
@@ -4716,7 +4721,7 @@
         <p:spPr>
           <a:xfrm>
             <a:off x="8111822" y="3967448"/>
-            <a:ext cx="1362874" cy="830997"/>
+            <a:ext cx="1162947" cy="830997"/>
           </a:xfrm>
           <a:prstGeom prst="rect">
             <a:avLst/>
@@ -4753,11 +4758,11 @@
             </a:r>
             <a:r>
               <a:rPr kumimoji="1" lang="en-US" altLang="ko-KR" sz="1200" dirty="0" err="1"/>
-              <a:t>usertype</a:t>
+              <a:t>userType</a:t>
             </a:r>
             <a:r>
               <a:rPr kumimoji="1" lang="en-US" altLang="ko-KR" sz="1200" dirty="0"/>
-              <a:t>: string</a:t>
+              <a:t>: int</a:t>
             </a:r>
           </a:p>
         </p:txBody>
@@ -5080,7 +5085,7 @@
         <p:spPr>
           <a:xfrm>
             <a:off x="2171283" y="3967448"/>
-            <a:ext cx="1362874" cy="830997"/>
+            <a:ext cx="1162947" cy="830997"/>
           </a:xfrm>
           <a:prstGeom prst="rect">
             <a:avLst/>
@@ -5117,11 +5122,11 @@
             </a:r>
             <a:r>
               <a:rPr kumimoji="1" lang="en-US" altLang="ko-KR" sz="1200" dirty="0" err="1"/>
-              <a:t>usertype</a:t>
+              <a:t>userType</a:t>
             </a:r>
             <a:r>
               <a:rPr kumimoji="1" lang="en-US" altLang="ko-KR" sz="1200" dirty="0"/>
-              <a:t>: string</a:t>
+              <a:t>: int</a:t>
             </a:r>
           </a:p>
         </p:txBody>

--- a/UML.pptx
+++ b/UML.pptx
@@ -197,7 +197,7 @@
           <a:p>
             <a:fld id="{0D6B409E-33D6-7447-B2F9-ECD6EE07DBC1}" type="datetimeFigureOut">
               <a:rPr kumimoji="1" lang="ko-KR" altLang="en-US" smtClean="0"/>
-              <a:t>2024. 11. 17.</a:t>
+              <a:t>2024. 11. 23.</a:t>
             </a:fld>
             <a:endParaRPr kumimoji="1" lang="ko-KR" altLang="en-US"/>
           </a:p>
@@ -695,7 +695,7 @@
           <a:p>
             <a:fld id="{9FEA7D9E-2381-C24B-9B90-4E3797000B4A}" type="datetimeFigureOut">
               <a:rPr kumimoji="1" lang="ko-KR" altLang="en-US" smtClean="0"/>
-              <a:t>2024. 11. 17.</a:t>
+              <a:t>2024. 11. 23.</a:t>
             </a:fld>
             <a:endParaRPr kumimoji="1" lang="ko-KR" altLang="en-US"/>
           </a:p>
@@ -893,7 +893,7 @@
           <a:p>
             <a:fld id="{9FEA7D9E-2381-C24B-9B90-4E3797000B4A}" type="datetimeFigureOut">
               <a:rPr kumimoji="1" lang="ko-KR" altLang="en-US" smtClean="0"/>
-              <a:t>2024. 11. 17.</a:t>
+              <a:t>2024. 11. 23.</a:t>
             </a:fld>
             <a:endParaRPr kumimoji="1" lang="ko-KR" altLang="en-US"/>
           </a:p>
@@ -1101,7 +1101,7 @@
           <a:p>
             <a:fld id="{9FEA7D9E-2381-C24B-9B90-4E3797000B4A}" type="datetimeFigureOut">
               <a:rPr kumimoji="1" lang="ko-KR" altLang="en-US" smtClean="0"/>
-              <a:t>2024. 11. 17.</a:t>
+              <a:t>2024. 11. 23.</a:t>
             </a:fld>
             <a:endParaRPr kumimoji="1" lang="ko-KR" altLang="en-US"/>
           </a:p>
@@ -1299,7 +1299,7 @@
           <a:p>
             <a:fld id="{9FEA7D9E-2381-C24B-9B90-4E3797000B4A}" type="datetimeFigureOut">
               <a:rPr kumimoji="1" lang="ko-KR" altLang="en-US" smtClean="0"/>
-              <a:t>2024. 11. 17.</a:t>
+              <a:t>2024. 11. 23.</a:t>
             </a:fld>
             <a:endParaRPr kumimoji="1" lang="ko-KR" altLang="en-US"/>
           </a:p>
@@ -1574,7 +1574,7 @@
           <a:p>
             <a:fld id="{9FEA7D9E-2381-C24B-9B90-4E3797000B4A}" type="datetimeFigureOut">
               <a:rPr kumimoji="1" lang="ko-KR" altLang="en-US" smtClean="0"/>
-              <a:t>2024. 11. 17.</a:t>
+              <a:t>2024. 11. 23.</a:t>
             </a:fld>
             <a:endParaRPr kumimoji="1" lang="ko-KR" altLang="en-US"/>
           </a:p>
@@ -1839,7 +1839,7 @@
           <a:p>
             <a:fld id="{9FEA7D9E-2381-C24B-9B90-4E3797000B4A}" type="datetimeFigureOut">
               <a:rPr kumimoji="1" lang="ko-KR" altLang="en-US" smtClean="0"/>
-              <a:t>2024. 11. 17.</a:t>
+              <a:t>2024. 11. 23.</a:t>
             </a:fld>
             <a:endParaRPr kumimoji="1" lang="ko-KR" altLang="en-US"/>
           </a:p>
@@ -2251,7 +2251,7 @@
           <a:p>
             <a:fld id="{9FEA7D9E-2381-C24B-9B90-4E3797000B4A}" type="datetimeFigureOut">
               <a:rPr kumimoji="1" lang="ko-KR" altLang="en-US" smtClean="0"/>
-              <a:t>2024. 11. 17.</a:t>
+              <a:t>2024. 11. 23.</a:t>
             </a:fld>
             <a:endParaRPr kumimoji="1" lang="ko-KR" altLang="en-US"/>
           </a:p>
@@ -2392,7 +2392,7 @@
           <a:p>
             <a:fld id="{9FEA7D9E-2381-C24B-9B90-4E3797000B4A}" type="datetimeFigureOut">
               <a:rPr kumimoji="1" lang="ko-KR" altLang="en-US" smtClean="0"/>
-              <a:t>2024. 11. 17.</a:t>
+              <a:t>2024. 11. 23.</a:t>
             </a:fld>
             <a:endParaRPr kumimoji="1" lang="ko-KR" altLang="en-US"/>
           </a:p>
@@ -2505,7 +2505,7 @@
           <a:p>
             <a:fld id="{9FEA7D9E-2381-C24B-9B90-4E3797000B4A}" type="datetimeFigureOut">
               <a:rPr kumimoji="1" lang="ko-KR" altLang="en-US" smtClean="0"/>
-              <a:t>2024. 11. 17.</a:t>
+              <a:t>2024. 11. 23.</a:t>
             </a:fld>
             <a:endParaRPr kumimoji="1" lang="ko-KR" altLang="en-US"/>
           </a:p>
@@ -2816,7 +2816,7 @@
           <a:p>
             <a:fld id="{9FEA7D9E-2381-C24B-9B90-4E3797000B4A}" type="datetimeFigureOut">
               <a:rPr kumimoji="1" lang="ko-KR" altLang="en-US" smtClean="0"/>
-              <a:t>2024. 11. 17.</a:t>
+              <a:t>2024. 11. 23.</a:t>
             </a:fld>
             <a:endParaRPr kumimoji="1" lang="ko-KR" altLang="en-US"/>
           </a:p>
@@ -3104,7 +3104,7 @@
           <a:p>
             <a:fld id="{9FEA7D9E-2381-C24B-9B90-4E3797000B4A}" type="datetimeFigureOut">
               <a:rPr kumimoji="1" lang="ko-KR" altLang="en-US" smtClean="0"/>
-              <a:t>2024. 11. 17.</a:t>
+              <a:t>2024. 11. 23.</a:t>
             </a:fld>
             <a:endParaRPr kumimoji="1" lang="ko-KR" altLang="en-US"/>
           </a:p>
@@ -3345,7 +3345,7 @@
           <a:p>
             <a:fld id="{9FEA7D9E-2381-C24B-9B90-4E3797000B4A}" type="datetimeFigureOut">
               <a:rPr kumimoji="1" lang="ko-KR" altLang="en-US" smtClean="0"/>
-              <a:t>2024. 11. 17.</a:t>
+              <a:t>2024. 11. 23.</a:t>
             </a:fld>
             <a:endParaRPr kumimoji="1" lang="ko-KR" altLang="en-US"/>
           </a:p>
@@ -3916,8 +3916,8 @@
         </p:nvSpPr>
         <p:spPr>
           <a:xfrm>
-            <a:off x="2301764" y="1236778"/>
-            <a:ext cx="2043689" cy="1354378"/>
+            <a:off x="2290070" y="709025"/>
+            <a:ext cx="2043689" cy="2023586"/>
           </a:xfrm>
           <a:prstGeom prst="rect">
             <a:avLst/>
@@ -3963,7 +3963,7 @@
         </p:nvSpPr>
         <p:spPr>
           <a:xfrm>
-            <a:off x="2888479" y="1181907"/>
+            <a:off x="2876785" y="654155"/>
             <a:ext cx="869149" cy="338554"/>
           </a:xfrm>
           <a:prstGeom prst="rect">
@@ -4001,7 +4001,7 @@
         </p:nvCxnSpPr>
         <p:spPr>
           <a:xfrm>
-            <a:off x="2295468" y="1496380"/>
+            <a:off x="2283774" y="968628"/>
             <a:ext cx="2055172" cy="0"/>
           </a:xfrm>
           <a:prstGeom prst="line">
@@ -4037,8 +4037,8 @@
         </p:nvSpPr>
         <p:spPr>
           <a:xfrm>
-            <a:off x="2291999" y="1518379"/>
-            <a:ext cx="2018886" cy="830997"/>
+            <a:off x="2280305" y="990627"/>
+            <a:ext cx="2018886" cy="1200329"/>
           </a:xfrm>
           <a:prstGeom prst="rect">
             <a:avLst/>
@@ -4096,6 +4096,18 @@
             <a:r>
               <a:rPr kumimoji="1" lang="en-US" altLang="ko-KR" sz="1200" dirty="0"/>
               <a:t>: string</a:t>
+            </a:r>
+          </a:p>
+          <a:p>
+            <a:r>
+              <a:rPr kumimoji="1" lang="en-US" altLang="ko-KR" sz="1200" dirty="0"/>
+              <a:t>-grade: int</a:t>
+            </a:r>
+          </a:p>
+          <a:p>
+            <a:r>
+              <a:rPr kumimoji="1" lang="en-US" altLang="ko-KR" sz="1200" dirty="0"/>
+              <a:t>-credit: int</a:t>
             </a:r>
             <a:endParaRPr kumimoji="1" lang="ko-KR" altLang="en-US" sz="1200" dirty="0"/>
           </a:p>
@@ -4117,7 +4129,7 @@
         </p:nvCxnSpPr>
         <p:spPr>
           <a:xfrm>
-            <a:off x="2297995" y="2349376"/>
+            <a:off x="2290070" y="2187830"/>
             <a:ext cx="2055172" cy="0"/>
           </a:xfrm>
           <a:prstGeom prst="line">
@@ -4153,8 +4165,8 @@
         </p:nvSpPr>
         <p:spPr>
           <a:xfrm>
-            <a:off x="2279188" y="2314157"/>
-            <a:ext cx="1143262" cy="276999"/>
+            <a:off x="2265822" y="2173896"/>
+            <a:ext cx="1473801" cy="646331"/>
           </a:xfrm>
           <a:prstGeom prst="rect">
             <a:avLst/>
@@ -4179,6 +4191,23 @@
               <a:rPr kumimoji="1" lang="en-US" altLang="ko-KR" sz="1200" dirty="0"/>
               <a:t>()</a:t>
             </a:r>
+          </a:p>
+          <a:p>
+            <a:r>
+              <a:rPr kumimoji="1" lang="en-US" altLang="ko-KR" sz="1200" dirty="0"/>
+              <a:t>+</a:t>
+            </a:r>
+            <a:r>
+              <a:rPr kumimoji="1" lang="en-US" altLang="ko-KR" sz="1200" dirty="0" err="1"/>
+              <a:t>calculateGrades</a:t>
+            </a:r>
+            <a:r>
+              <a:rPr kumimoji="1" lang="en-US" altLang="ko-KR" sz="1200" dirty="0"/>
+              <a:t>()</a:t>
+            </a:r>
+          </a:p>
+          <a:p>
+            <a:endParaRPr kumimoji="1" lang="en-US" altLang="ko-KR" sz="1200" dirty="0"/>
           </a:p>
         </p:txBody>
       </p:sp>
@@ -4417,7 +4446,7 @@
         <p:spPr>
           <a:xfrm>
             <a:off x="5166508" y="4811774"/>
-            <a:ext cx="1358385" cy="646331"/>
+            <a:ext cx="1910153" cy="830997"/>
           </a:xfrm>
           <a:prstGeom prst="rect">
             <a:avLst/>
@@ -4425,7 +4454,7 @@
           <a:noFill/>
         </p:spPr>
         <p:txBody>
-          <a:bodyPr wrap="none" rtlCol="0">
+          <a:bodyPr wrap="square" rtlCol="0">
             <a:spAutoFit/>
           </a:bodyPr>
           <a:lstStyle/>
@@ -4471,6 +4500,20 @@
               <a:t>()</a:t>
             </a:r>
           </a:p>
+          <a:p>
+            <a:r>
+              <a:rPr kumimoji="1" lang="en-US" altLang="ko-KR" sz="1200" dirty="0"/>
+              <a:t>+</a:t>
+            </a:r>
+            <a:r>
+              <a:rPr kumimoji="1" lang="en-US" altLang="ko-KR" sz="1200" dirty="0" err="1"/>
+              <a:t>givePPeul</a:t>
+            </a:r>
+            <a:r>
+              <a:rPr kumimoji="1" lang="en-US" altLang="ko-KR" sz="1200" dirty="0"/>
+              <a:t>()</a:t>
+            </a:r>
+          </a:p>
         </p:txBody>
       </p:sp>
       <p:sp>
@@ -4488,7 +4531,7 @@
         <p:spPr>
           <a:xfrm>
             <a:off x="5206263" y="3298108"/>
-            <a:ext cx="2043689" cy="2190324"/>
+            <a:ext cx="2043689" cy="2538722"/>
           </a:xfrm>
           <a:prstGeom prst="rect">
             <a:avLst/>
@@ -4516,7 +4559,7 @@
           <a:lstStyle/>
           <a:p>
             <a:pPr algn="ctr"/>
-            <a:endParaRPr kumimoji="1" lang="ko-KR" altLang="en-US"/>
+            <a:endParaRPr kumimoji="1" lang="ko-KR" altLang="en-US" dirty="0"/>
           </a:p>
         </p:txBody>
       </p:sp>
@@ -4852,8 +4895,8 @@
         </p:nvSpPr>
         <p:spPr>
           <a:xfrm>
-            <a:off x="8089821" y="3315108"/>
-            <a:ext cx="2043689" cy="2190324"/>
+            <a:off x="8089821" y="3315107"/>
+            <a:ext cx="2043689" cy="2521715"/>
           </a:xfrm>
           <a:prstGeom prst="rect">
             <a:avLst/>
@@ -5726,6 +5769,415 @@
           </p:txBody>
         </p:sp>
       </p:grpSp>
+      <p:sp>
+        <p:nvSpPr>
+          <p:cNvPr id="4" name="직사각형 3">
+            <a:extLst>
+              <a:ext uri="{FF2B5EF4-FFF2-40B4-BE49-F238E27FC236}">
+                <a16:creationId xmlns:a16="http://schemas.microsoft.com/office/drawing/2014/main" id="{C1B54DAA-AD7A-41C0-2085-871521096A7B}"/>
+              </a:ext>
+            </a:extLst>
+          </p:cNvPr>
+          <p:cNvSpPr/>
+          <p:nvPr/>
+        </p:nvSpPr>
+        <p:spPr>
+          <a:xfrm>
+            <a:off x="7898134" y="527165"/>
+            <a:ext cx="2818006" cy="1926925"/>
+          </a:xfrm>
+          <a:prstGeom prst="rect">
+            <a:avLst/>
+          </a:prstGeom>
+          <a:noFill/>
+        </p:spPr>
+        <p:style>
+          <a:lnRef idx="2">
+            <a:schemeClr val="accent1">
+              <a:shade val="15000"/>
+            </a:schemeClr>
+          </a:lnRef>
+          <a:fillRef idx="1">
+            <a:schemeClr val="accent1"/>
+          </a:fillRef>
+          <a:effectRef idx="0">
+            <a:schemeClr val="accent1"/>
+          </a:effectRef>
+          <a:fontRef idx="minor">
+            <a:schemeClr val="lt1"/>
+          </a:fontRef>
+        </p:style>
+        <p:txBody>
+          <a:bodyPr rtlCol="0" anchor="ctr"/>
+          <a:lstStyle/>
+          <a:p>
+            <a:pPr algn="ctr"/>
+            <a:endParaRPr kumimoji="1" lang="ko-KR" altLang="en-US"/>
+          </a:p>
+        </p:txBody>
+      </p:sp>
+      <p:sp>
+        <p:nvSpPr>
+          <p:cNvPr id="5" name="TextBox 4">
+            <a:extLst>
+              <a:ext uri="{FF2B5EF4-FFF2-40B4-BE49-F238E27FC236}">
+                <a16:creationId xmlns:a16="http://schemas.microsoft.com/office/drawing/2014/main" id="{DFF7B34F-0163-C95B-320D-60EF99AB57C1}"/>
+              </a:ext>
+            </a:extLst>
+          </p:cNvPr>
+          <p:cNvSpPr txBox="1"/>
+          <p:nvPr/>
+        </p:nvSpPr>
+        <p:spPr>
+          <a:xfrm>
+            <a:off x="7942860" y="596814"/>
+            <a:ext cx="2478102" cy="1938992"/>
+          </a:xfrm>
+          <a:prstGeom prst="rect">
+            <a:avLst/>
+          </a:prstGeom>
+          <a:noFill/>
+        </p:spPr>
+        <p:txBody>
+          <a:bodyPr wrap="square" rtlCol="0">
+            <a:spAutoFit/>
+          </a:bodyPr>
+          <a:lstStyle/>
+          <a:p>
+            <a:r>
+              <a:rPr kumimoji="1" lang="ko-KR" altLang="en-US" sz="1200" dirty="0"/>
+              <a:t>평가항목</a:t>
+            </a:r>
+            <a:r>
+              <a:rPr kumimoji="1" lang="en-US" altLang="ko-KR" sz="1200" dirty="0"/>
+              <a:t>:</a:t>
+            </a:r>
+            <a:r>
+              <a:rPr kumimoji="1" lang="ko-KR" altLang="en-US" sz="1200" dirty="0"/>
+              <a:t> 중간</a:t>
+            </a:r>
+            <a:r>
+              <a:rPr kumimoji="1" lang="en-US" altLang="ko-KR" sz="1200" dirty="0"/>
+              <a:t>,</a:t>
+            </a:r>
+            <a:r>
+              <a:rPr kumimoji="1" lang="ko-KR" altLang="en-US" sz="1200" dirty="0"/>
+              <a:t> 기말</a:t>
+            </a:r>
+            <a:r>
+              <a:rPr kumimoji="1" lang="en-US" altLang="ko-KR" sz="1200" dirty="0"/>
+              <a:t>,</a:t>
+            </a:r>
+            <a:r>
+              <a:rPr kumimoji="1" lang="ko-KR" altLang="en-US" sz="1200" dirty="0"/>
+              <a:t> 출결</a:t>
+            </a:r>
+            <a:r>
+              <a:rPr kumimoji="1" lang="en-US" altLang="ko-KR" sz="1200" dirty="0"/>
+              <a:t>,</a:t>
+            </a:r>
+            <a:r>
+              <a:rPr kumimoji="1" lang="ko-KR" altLang="en-US" sz="1200" dirty="0"/>
+              <a:t> 과제</a:t>
+            </a:r>
+            <a:endParaRPr kumimoji="1" lang="en-US" altLang="ko-KR" sz="1200" dirty="0"/>
+          </a:p>
+          <a:p>
+            <a:r>
+              <a:rPr kumimoji="1" lang="ko-KR" altLang="en-US" sz="1200" dirty="0"/>
+              <a:t>               </a:t>
+            </a:r>
+            <a:r>
+              <a:rPr kumimoji="1" lang="en-US" altLang="ko-KR" sz="1200" dirty="0"/>
+              <a:t>(35,</a:t>
+            </a:r>
+            <a:r>
+              <a:rPr kumimoji="1" lang="ko-KR" altLang="en-US" sz="1200" dirty="0"/>
+              <a:t> </a:t>
+            </a:r>
+            <a:r>
+              <a:rPr kumimoji="1" lang="en-US" altLang="ko-KR" sz="1200" dirty="0"/>
+              <a:t>35,</a:t>
+            </a:r>
+            <a:r>
+              <a:rPr kumimoji="1" lang="ko-KR" altLang="en-US" sz="1200" dirty="0"/>
+              <a:t> </a:t>
+            </a:r>
+            <a:r>
+              <a:rPr kumimoji="1" lang="en-US" altLang="ko-KR" sz="1200" dirty="0"/>
+              <a:t>10,</a:t>
+            </a:r>
+            <a:r>
+              <a:rPr kumimoji="1" lang="ko-KR" altLang="en-US" sz="1200" dirty="0"/>
+              <a:t> </a:t>
+            </a:r>
+            <a:r>
+              <a:rPr kumimoji="1" lang="en-US" altLang="ko-KR" sz="1200" dirty="0"/>
+              <a:t>20)</a:t>
+            </a:r>
+            <a:r>
+              <a:rPr kumimoji="1" lang="ko-KR" altLang="en-US" sz="1200" dirty="0"/>
+              <a:t> </a:t>
+            </a:r>
+            <a:endParaRPr kumimoji="1" lang="en-US" altLang="ko-KR" sz="1200" dirty="0"/>
+          </a:p>
+          <a:p>
+            <a:r>
+              <a:rPr kumimoji="1" lang="ko-KR" altLang="en-US" sz="1200" dirty="0"/>
+              <a:t>              </a:t>
+            </a:r>
+            <a:r>
+              <a:rPr kumimoji="1" lang="en-US" altLang="ko-KR" sz="1200" dirty="0"/>
+              <a:t>-&gt;</a:t>
+            </a:r>
+            <a:r>
+              <a:rPr kumimoji="1" lang="ko-KR" altLang="en-US" sz="1200" dirty="0"/>
+              <a:t> 총점 계산</a:t>
+            </a:r>
+            <a:endParaRPr kumimoji="1" lang="en-US" altLang="ko-KR" sz="1200" dirty="0"/>
+          </a:p>
+          <a:p>
+            <a:r>
+              <a:rPr kumimoji="1" lang="ko-KR" altLang="en-US" sz="1200" dirty="0"/>
+              <a:t>              </a:t>
+            </a:r>
+            <a:r>
+              <a:rPr kumimoji="1" lang="en-US" altLang="ko-KR" sz="1200" dirty="0"/>
+              <a:t>-&gt;</a:t>
+            </a:r>
+            <a:r>
+              <a:rPr kumimoji="1" lang="ko-KR" altLang="en-US" sz="1200" dirty="0"/>
+              <a:t> 총점 별로 </a:t>
+            </a:r>
+            <a:r>
+              <a:rPr kumimoji="1" lang="en-US" altLang="ko-KR" sz="1200" dirty="0"/>
+              <a:t>sorting</a:t>
+            </a:r>
+          </a:p>
+          <a:p>
+            <a:endParaRPr kumimoji="1" lang="en-US" altLang="ko-KR" sz="1200" dirty="0"/>
+          </a:p>
+          <a:p>
+            <a:r>
+              <a:rPr kumimoji="1" lang="en-US" altLang="ko-KR" sz="1200" dirty="0"/>
+              <a:t># </a:t>
+            </a:r>
+            <a:r>
+              <a:rPr kumimoji="1" lang="en-US" altLang="ko-KR" sz="1200" dirty="0" err="1"/>
+              <a:t>determineGradeSystem</a:t>
+            </a:r>
+            <a:endParaRPr kumimoji="1" lang="en-US" altLang="ko-KR" sz="1200" dirty="0"/>
+          </a:p>
+          <a:p>
+            <a:pPr marL="171450" indent="-171450">
+              <a:buFontTx/>
+              <a:buChar char="-"/>
+            </a:pPr>
+            <a:r>
+              <a:rPr kumimoji="1" lang="ko-KR" altLang="en-US" sz="1200" dirty="0"/>
+              <a:t>일반</a:t>
+            </a:r>
+            <a:r>
+              <a:rPr kumimoji="1" lang="en-US" altLang="ko-KR" sz="1200" dirty="0"/>
+              <a:t>; (</a:t>
+            </a:r>
+          </a:p>
+          <a:p>
+            <a:pPr marL="171450" indent="-171450">
+              <a:buFontTx/>
+              <a:buChar char="-"/>
+            </a:pPr>
+            <a:r>
+              <a:rPr kumimoji="1" lang="ko-KR" altLang="en-US" sz="1200" dirty="0"/>
+              <a:t>영어</a:t>
+            </a:r>
+            <a:r>
+              <a:rPr kumimoji="1" lang="en-US" altLang="ko-KR" sz="1200" dirty="0"/>
+              <a:t>A; (</a:t>
+            </a:r>
+          </a:p>
+          <a:p>
+            <a:pPr marL="171450" indent="-171450">
+              <a:buFontTx/>
+              <a:buChar char="-"/>
+            </a:pPr>
+            <a:r>
+              <a:rPr kumimoji="1" lang="en-US" altLang="ko-KR" sz="1200" dirty="0"/>
+              <a:t>P/F; </a:t>
+            </a:r>
+          </a:p>
+          <a:p>
+            <a:endParaRPr kumimoji="1" lang="en-US" altLang="ko-KR" sz="1200" dirty="0"/>
+          </a:p>
+        </p:txBody>
+      </p:sp>
+      <p:cxnSp>
+        <p:nvCxnSpPr>
+          <p:cNvPr id="7" name="직선 화살표 연결선 6">
+            <a:extLst>
+              <a:ext uri="{FF2B5EF4-FFF2-40B4-BE49-F238E27FC236}">
+                <a16:creationId xmlns:a16="http://schemas.microsoft.com/office/drawing/2014/main" id="{1E5BE92B-8B24-0BF2-A95C-85D5BE388361}"/>
+              </a:ext>
+            </a:extLst>
+          </p:cNvPr>
+          <p:cNvCxnSpPr>
+            <a:cxnSpLocks/>
+          </p:cNvCxnSpPr>
+          <p:nvPr/>
+        </p:nvCxnSpPr>
+        <p:spPr>
+          <a:xfrm>
+            <a:off x="4323140" y="2820227"/>
+            <a:ext cx="576018" cy="3265811"/>
+          </a:xfrm>
+          <a:prstGeom prst="straightConnector1">
+            <a:avLst/>
+          </a:prstGeom>
+          <a:ln>
+            <a:tailEnd type="triangle"/>
+          </a:ln>
+        </p:spPr>
+        <p:style>
+          <a:lnRef idx="2">
+            <a:schemeClr val="accent1"/>
+          </a:lnRef>
+          <a:fillRef idx="0">
+            <a:schemeClr val="accent1"/>
+          </a:fillRef>
+          <a:effectRef idx="1">
+            <a:schemeClr val="accent1"/>
+          </a:effectRef>
+          <a:fontRef idx="minor">
+            <a:schemeClr val="tx1"/>
+          </a:fontRef>
+        </p:style>
+      </p:cxnSp>
+      <p:sp>
+        <p:nvSpPr>
+          <p:cNvPr id="11" name="TextBox 10">
+            <a:extLst>
+              <a:ext uri="{FF2B5EF4-FFF2-40B4-BE49-F238E27FC236}">
+                <a16:creationId xmlns:a16="http://schemas.microsoft.com/office/drawing/2014/main" id="{69842955-384E-9494-69A7-843B273C4CE2}"/>
+              </a:ext>
+            </a:extLst>
+          </p:cNvPr>
+          <p:cNvSpPr txBox="1"/>
+          <p:nvPr/>
+        </p:nvSpPr>
+        <p:spPr>
+          <a:xfrm>
+            <a:off x="3806030" y="6086038"/>
+            <a:ext cx="1422762" cy="369332"/>
+          </a:xfrm>
+          <a:prstGeom prst="rect">
+            <a:avLst/>
+          </a:prstGeom>
+          <a:noFill/>
+        </p:spPr>
+        <p:txBody>
+          <a:bodyPr wrap="none" rtlCol="0">
+            <a:spAutoFit/>
+          </a:bodyPr>
+          <a:lstStyle/>
+          <a:p>
+            <a:r>
+              <a:rPr kumimoji="1" lang="en-US" altLang="ko-KR" dirty="0"/>
+              <a:t>A, B, C, D, F</a:t>
+            </a:r>
+            <a:endParaRPr kumimoji="1" lang="ko-KR" altLang="en-US" dirty="0"/>
+          </a:p>
+        </p:txBody>
+      </p:sp>
+      <p:sp>
+        <p:nvSpPr>
+          <p:cNvPr id="13" name="TextBox 12">
+            <a:extLst>
+              <a:ext uri="{FF2B5EF4-FFF2-40B4-BE49-F238E27FC236}">
+                <a16:creationId xmlns:a16="http://schemas.microsoft.com/office/drawing/2014/main" id="{F002A299-E3DC-4081-2C37-F8A4D07E861C}"/>
+              </a:ext>
+            </a:extLst>
+          </p:cNvPr>
+          <p:cNvSpPr txBox="1"/>
+          <p:nvPr/>
+        </p:nvSpPr>
+        <p:spPr>
+          <a:xfrm>
+            <a:off x="5428855" y="5820478"/>
+            <a:ext cx="2629246" cy="369332"/>
+          </a:xfrm>
+          <a:prstGeom prst="rect">
+            <a:avLst/>
+          </a:prstGeom>
+          <a:noFill/>
+        </p:spPr>
+        <p:txBody>
+          <a:bodyPr wrap="none" rtlCol="0">
+            <a:spAutoFit/>
+          </a:bodyPr>
+          <a:lstStyle/>
+          <a:p>
+            <a:r>
+              <a:rPr kumimoji="1" lang="en-US" altLang="ko-KR" dirty="0"/>
+              <a:t>+</a:t>
+            </a:r>
+            <a:r>
+              <a:rPr kumimoji="1" lang="ko-KR" altLang="en-US" dirty="0"/>
+              <a:t>을 </a:t>
+            </a:r>
+            <a:r>
+              <a:rPr kumimoji="1" lang="ko-KR" altLang="en-US" dirty="0" err="1"/>
+              <a:t>주시겠습니까</a:t>
+            </a:r>
+            <a:r>
+              <a:rPr kumimoji="1" lang="en-US" altLang="ko-KR" dirty="0"/>
+              <a:t>?(y/n)</a:t>
+            </a:r>
+            <a:endParaRPr kumimoji="1" lang="ko-KR" altLang="en-US" dirty="0"/>
+          </a:p>
+        </p:txBody>
+      </p:sp>
+      <p:cxnSp>
+        <p:nvCxnSpPr>
+          <p:cNvPr id="14" name="직선 화살표 연결선 13">
+            <a:extLst>
+              <a:ext uri="{FF2B5EF4-FFF2-40B4-BE49-F238E27FC236}">
+                <a16:creationId xmlns:a16="http://schemas.microsoft.com/office/drawing/2014/main" id="{0ADA3F6C-8784-F273-A6C6-18E782EB73D7}"/>
+              </a:ext>
+            </a:extLst>
+          </p:cNvPr>
+          <p:cNvCxnSpPr>
+            <a:cxnSpLocks/>
+            <a:stCxn id="13" idx="1"/>
+          </p:cNvCxnSpPr>
+          <p:nvPr/>
+        </p:nvCxnSpPr>
+        <p:spPr>
+          <a:xfrm flipV="1">
+            <a:off x="5428855" y="5598901"/>
+            <a:ext cx="0" cy="406243"/>
+          </a:xfrm>
+          <a:prstGeom prst="straightConnector1">
+            <a:avLst/>
+          </a:prstGeom>
+          <a:ln>
+            <a:tailEnd type="triangle"/>
+          </a:ln>
+        </p:spPr>
+        <p:style>
+          <a:lnRef idx="2">
+            <a:schemeClr val="accent1"/>
+          </a:lnRef>
+          <a:fillRef idx="0">
+            <a:schemeClr val="accent1"/>
+          </a:fillRef>
+          <a:effectRef idx="1">
+            <a:schemeClr val="accent1"/>
+          </a:effectRef>
+          <a:fontRef idx="minor">
+            <a:schemeClr val="tx1"/>
+          </a:fontRef>
+        </p:style>
+      </p:cxnSp>
     </p:spTree>
     <p:extLst>
       <p:ext uri="{BB962C8B-B14F-4D97-AF65-F5344CB8AC3E}">
